--- a/Cleansing/Project1/Sports Betting.pptx
+++ b/Cleansing/Project1/Sports Betting.pptx
@@ -15,9 +15,11 @@
     <p:sldId id="263" r:id="rId9"/>
     <p:sldId id="264" r:id="rId10"/>
     <p:sldId id="265" r:id="rId11"/>
-    <p:sldId id="266" r:id="rId12"/>
-    <p:sldId id="267" r:id="rId13"/>
-    <p:sldId id="268" r:id="rId14"/>
+    <p:sldId id="269" r:id="rId12"/>
+    <p:sldId id="270" r:id="rId13"/>
+    <p:sldId id="266" r:id="rId14"/>
+    <p:sldId id="267" r:id="rId15"/>
+    <p:sldId id="268" r:id="rId16"/>
   </p:sldIdLst>
   <p:sldSz cx="12192000" cy="6858000"/>
   <p:notesSz cx="6858000" cy="9144000"/>
@@ -116,6 +118,11 @@
       </a:defRPr>
     </a:lvl9pPr>
   </p:defaultTextStyle>
+  <p:extLst>
+    <p:ext uri="{EFAFB233-063F-42B5-8137-9DF3F51BA10A}">
+      <p15:sldGuideLst xmlns:p15="http://schemas.microsoft.com/office/powerpoint/2012/main"/>
+    </p:ext>
+  </p:extLst>
 </p:presentation>
 </file>
 
@@ -302,7 +309,7 @@
           <a:p>
             <a:fld id="{4AAD347D-5ACD-4C99-B74B-A9C85AD731AF}" type="datetimeFigureOut">
               <a:rPr lang="en-US" dirty="0"/>
-              <a:t>11/11/2020</a:t>
+              <a:t>11/12/2020</a:t>
             </a:fld>
             <a:endParaRPr lang="en-US" dirty="0"/>
           </a:p>
@@ -572,7 +579,7 @@
           <a:p>
             <a:fld id="{4509A250-FF31-4206-8172-F9D3106AACB1}" type="datetimeFigureOut">
               <a:rPr lang="en-US" dirty="0"/>
-              <a:t>11/11/2020</a:t>
+              <a:t>11/12/2020</a:t>
             </a:fld>
             <a:endParaRPr lang="en-US" dirty="0"/>
           </a:p>
@@ -761,7 +768,7 @@
           <a:p>
             <a:fld id="{4509A250-FF31-4206-8172-F9D3106AACB1}" type="datetimeFigureOut">
               <a:rPr lang="en-US" dirty="0"/>
-              <a:t>11/11/2020</a:t>
+              <a:t>11/12/2020</a:t>
             </a:fld>
             <a:endParaRPr lang="en-US" dirty="0"/>
           </a:p>
@@ -1024,7 +1031,7 @@
           <a:p>
             <a:fld id="{4509A250-FF31-4206-8172-F9D3106AACB1}" type="datetimeFigureOut">
               <a:rPr lang="en-US" dirty="0"/>
-              <a:t>11/11/2020</a:t>
+              <a:t>11/12/2020</a:t>
             </a:fld>
             <a:endParaRPr lang="en-US" dirty="0"/>
           </a:p>
@@ -1351,7 +1358,7 @@
           <a:p>
             <a:fld id="{4509A250-FF31-4206-8172-F9D3106AACB1}" type="datetimeFigureOut">
               <a:rPr lang="en-US" dirty="0"/>
-              <a:t>11/11/2020</a:t>
+              <a:t>11/12/2020</a:t>
             </a:fld>
             <a:endParaRPr lang="en-US" dirty="0"/>
           </a:p>
@@ -1956,7 +1963,7 @@
           <a:p>
             <a:fld id="{4509A250-FF31-4206-8172-F9D3106AACB1}" type="datetimeFigureOut">
               <a:rPr lang="en-US" dirty="0"/>
-              <a:t>11/11/2020</a:t>
+              <a:t>11/12/2020</a:t>
             </a:fld>
             <a:endParaRPr lang="en-US" dirty="0"/>
           </a:p>
@@ -2798,7 +2805,7 @@
           <a:p>
             <a:fld id="{4509A250-FF31-4206-8172-F9D3106AACB1}" type="datetimeFigureOut">
               <a:rPr lang="en-US" dirty="0"/>
-              <a:t>11/11/2020</a:t>
+              <a:t>11/12/2020</a:t>
             </a:fld>
             <a:endParaRPr lang="en-US" dirty="0"/>
           </a:p>
@@ -2963,7 +2970,7 @@
           <a:p>
             <a:fld id="{4509A250-FF31-4206-8172-F9D3106AACB1}" type="datetimeFigureOut">
               <a:rPr lang="en-US" dirty="0"/>
-              <a:t>11/11/2020</a:t>
+              <a:t>11/12/2020</a:t>
             </a:fld>
             <a:endParaRPr lang="en-US" dirty="0"/>
           </a:p>
@@ -3138,7 +3145,7 @@
           <a:p>
             <a:fld id="{4509A250-FF31-4206-8172-F9D3106AACB1}" type="datetimeFigureOut">
               <a:rPr lang="en-US" dirty="0"/>
-              <a:t>11/11/2020</a:t>
+              <a:t>11/12/2020</a:t>
             </a:fld>
             <a:endParaRPr lang="en-US" dirty="0"/>
           </a:p>
@@ -3303,7 +3310,7 @@
           <a:p>
             <a:fld id="{4509A250-FF31-4206-8172-F9D3106AACB1}" type="datetimeFigureOut">
               <a:rPr lang="en-US" dirty="0"/>
-              <a:t>11/11/2020</a:t>
+              <a:t>11/12/2020</a:t>
             </a:fld>
             <a:endParaRPr lang="en-US" dirty="0"/>
           </a:p>
@@ -3542,7 +3549,7 @@
           <a:p>
             <a:fld id="{4509A250-FF31-4206-8172-F9D3106AACB1}" type="datetimeFigureOut">
               <a:rPr lang="en-US" dirty="0"/>
-              <a:t>11/11/2020</a:t>
+              <a:t>11/12/2020</a:t>
             </a:fld>
             <a:endParaRPr lang="en-US" dirty="0"/>
           </a:p>
@@ -3829,7 +3836,7 @@
           <a:p>
             <a:fld id="{4509A250-FF31-4206-8172-F9D3106AACB1}" type="datetimeFigureOut">
               <a:rPr lang="en-US" dirty="0"/>
-              <a:t>11/11/2020</a:t>
+              <a:t>11/12/2020</a:t>
             </a:fld>
             <a:endParaRPr lang="en-US" dirty="0"/>
           </a:p>
@@ -4262,7 +4269,7 @@
           <a:p>
             <a:fld id="{4509A250-FF31-4206-8172-F9D3106AACB1}" type="datetimeFigureOut">
               <a:rPr lang="en-US" dirty="0"/>
-              <a:t>11/11/2020</a:t>
+              <a:t>11/12/2020</a:t>
             </a:fld>
             <a:endParaRPr lang="en-US" dirty="0"/>
           </a:p>
@@ -4375,7 +4382,7 @@
           <a:p>
             <a:fld id="{4509A250-FF31-4206-8172-F9D3106AACB1}" type="datetimeFigureOut">
               <a:rPr lang="en-US" dirty="0"/>
-              <a:t>11/11/2020</a:t>
+              <a:t>11/12/2020</a:t>
             </a:fld>
             <a:endParaRPr lang="en-US" dirty="0"/>
           </a:p>
@@ -4465,7 +4472,7 @@
           <a:p>
             <a:fld id="{4509A250-FF31-4206-8172-F9D3106AACB1}" type="datetimeFigureOut">
               <a:rPr lang="en-US" dirty="0"/>
-              <a:t>11/11/2020</a:t>
+              <a:t>11/12/2020</a:t>
             </a:fld>
             <a:endParaRPr lang="en-US" dirty="0"/>
           </a:p>
@@ -4739,7 +4746,7 @@
           <a:p>
             <a:fld id="{4509A250-FF31-4206-8172-F9D3106AACB1}" type="datetimeFigureOut">
               <a:rPr lang="en-US" dirty="0"/>
-              <a:t>11/11/2020</a:t>
+              <a:t>11/12/2020</a:t>
             </a:fld>
             <a:endParaRPr lang="en-US" dirty="0"/>
           </a:p>
@@ -5009,7 +5016,7 @@
           <a:p>
             <a:fld id="{4509A250-FF31-4206-8172-F9D3106AACB1}" type="datetimeFigureOut">
               <a:rPr lang="en-US" dirty="0"/>
-              <a:t>11/11/2020</a:t>
+              <a:t>11/12/2020</a:t>
             </a:fld>
             <a:endParaRPr lang="en-US" dirty="0"/>
           </a:p>
@@ -5433,7 +5440,7 @@
           <a:p>
             <a:fld id="{4509A250-FF31-4206-8172-F9D3106AACB1}" type="datetimeFigureOut">
               <a:rPr lang="en-US" dirty="0"/>
-              <a:t>11/11/2020</a:t>
+              <a:t>11/12/2020</a:t>
             </a:fld>
             <a:endParaRPr lang="en-US" dirty="0"/>
           </a:p>
@@ -6055,7 +6062,7 @@
           <a:p>
             <a:r>
               <a:rPr lang="en-CA" dirty="0"/>
-              <a:t>Moving odds before game time?</a:t>
+              <a:t>Cool, but can we make money from this?</a:t>
             </a:r>
           </a:p>
         </p:txBody>
@@ -6081,10 +6088,58 @@
           <a:bodyPr/>
           <a:lstStyle/>
           <a:p>
-            <a:endParaRPr lang="en-CA" dirty="0"/>
-          </a:p>
-        </p:txBody>
-      </p:sp>
+            <a:r>
+              <a:rPr lang="en-CA" dirty="0"/>
+              <a:t>We know that home teams have an advantage, and we also know the effect of bookie confidence. </a:t>
+            </a:r>
+          </a:p>
+          <a:p>
+            <a:r>
+              <a:rPr lang="en-CA" dirty="0"/>
+              <a:t>Simulated the simple strategy of betting for every home team vs every away team game vs every tie at their average odds</a:t>
+            </a:r>
+          </a:p>
+          <a:p>
+            <a:pPr marL="0" indent="0">
+              <a:buNone/>
+            </a:pPr>
+            <a:r>
+              <a:rPr lang="en-CA" dirty="0"/>
+              <a:t> </a:t>
+            </a:r>
+          </a:p>
+        </p:txBody>
+      </p:sp>
+      <p:pic>
+        <p:nvPicPr>
+          <p:cNvPr id="5" name="Picture 4" descr="Graphical user interface, text, application, email&#10;&#10;Description automatically generated">
+            <a:extLst>
+              <a:ext uri="{FF2B5EF4-FFF2-40B4-BE49-F238E27FC236}">
+                <a16:creationId xmlns:a16="http://schemas.microsoft.com/office/drawing/2014/main" id="{F8C6000E-762C-4F7F-959C-F1A36CF4B87D}"/>
+              </a:ext>
+            </a:extLst>
+          </p:cNvPr>
+          <p:cNvPicPr>
+            <a:picLocks noChangeAspect="1"/>
+          </p:cNvPicPr>
+          <p:nvPr/>
+        </p:nvPicPr>
+        <p:blipFill>
+          <a:blip r:embed="rId2"/>
+          <a:stretch>
+            <a:fillRect/>
+          </a:stretch>
+        </p:blipFill>
+        <p:spPr>
+          <a:xfrm>
+            <a:off x="1415936" y="3542539"/>
+            <a:ext cx="7392432" cy="2905530"/>
+          </a:xfrm>
+          <a:prstGeom prst="rect">
+            <a:avLst/>
+          </a:prstGeom>
+        </p:spPr>
+      </p:pic>
     </p:spTree>
     <p:extLst>
       <p:ext uri="{BB962C8B-B14F-4D97-AF65-F5344CB8AC3E}">
@@ -6120,7 +6175,7 @@
           <p:cNvPr id="2" name="Title 1">
             <a:extLst>
               <a:ext uri="{FF2B5EF4-FFF2-40B4-BE49-F238E27FC236}">
-                <a16:creationId xmlns:a16="http://schemas.microsoft.com/office/drawing/2014/main" id="{6937E6D7-AC6D-4A4E-9448-28AA51639621}"/>
+                <a16:creationId xmlns:a16="http://schemas.microsoft.com/office/drawing/2014/main" id="{0E3917B5-8774-4F8C-A411-6C7D163899E8}"/>
               </a:ext>
             </a:extLst>
           </p:cNvPr>
@@ -6138,7 +6193,15 @@
           <a:p>
             <a:r>
               <a:rPr lang="en-CA" dirty="0"/>
-              <a:t>Discussion</a:t>
+              <a:t>Cool, but can we make money from this? (</a:t>
+            </a:r>
+            <a:r>
+              <a:rPr lang="en-CA" dirty="0" err="1"/>
+              <a:t>Cont</a:t>
+            </a:r>
+            <a:r>
+              <a:rPr lang="en-CA" dirty="0"/>
+              <a:t>)</a:t>
             </a:r>
           </a:p>
         </p:txBody>
@@ -6148,7 +6211,7 @@
           <p:cNvPr id="3" name="Content Placeholder 2">
             <a:extLst>
               <a:ext uri="{FF2B5EF4-FFF2-40B4-BE49-F238E27FC236}">
-                <a16:creationId xmlns:a16="http://schemas.microsoft.com/office/drawing/2014/main" id="{745C2514-CA24-421C-A5BE-9E99622246FF}"/>
+                <a16:creationId xmlns:a16="http://schemas.microsoft.com/office/drawing/2014/main" id="{D2953A5B-A708-4017-A5BB-F370E76E614E}"/>
               </a:ext>
             </a:extLst>
           </p:cNvPr>
@@ -6166,27 +6229,107 @@
           <a:p>
             <a:r>
               <a:rPr lang="en-CA" dirty="0"/>
-              <a:t>After our analysis we were able to answer our questions as well as we hoped.</a:t>
-            </a:r>
-          </a:p>
-          <a:p>
+              <a:t>However as it turns out the bookies odds for the home team trended down as the game time approached, signifying a </a:t>
+            </a:r>
+            <a:r>
+              <a:rPr lang="en-CA" dirty="0" err="1"/>
+              <a:t>inc</a:t>
+            </a:r>
             <a:r>
               <a:rPr lang="en-CA" dirty="0"/>
-              <a:t>From our findings bookies are generally consistent. They are right generally as much as they are wrong.</a:t>
-            </a:r>
+              <a:t> confidence in the home team 272/275 in the sample.</a:t>
+            </a:r>
+          </a:p>
+          <a:p>
+            <a:endParaRPr lang="en-CA" dirty="0"/>
+          </a:p>
+          <a:p>
+            <a:endParaRPr lang="en-CA" dirty="0"/>
+          </a:p>
+          <a:p>
+            <a:endParaRPr lang="en-CA" dirty="0"/>
           </a:p>
           <a:p>
             <a:r>
               <a:rPr lang="en-CA" dirty="0"/>
-              <a:t>Basically sports is sports, anything can happen. You can follow a bookies odds or their choices and more times than not they are right. But they are wrong a lot as well.</a:t>
-            </a:r>
-          </a:p>
-        </p:txBody>
-      </p:sp>
+              <a:t>So what if we bet every single first home odds available?</a:t>
+            </a:r>
+          </a:p>
+          <a:p>
+            <a:endParaRPr lang="en-CA" dirty="0"/>
+          </a:p>
+          <a:p>
+            <a:endParaRPr lang="en-CA" dirty="0"/>
+          </a:p>
+          <a:p>
+            <a:endParaRPr lang="en-CA" dirty="0"/>
+          </a:p>
+        </p:txBody>
+      </p:sp>
+      <p:pic>
+        <p:nvPicPr>
+          <p:cNvPr id="5" name="Picture 4" descr="A picture containing text&#10;&#10;Description automatically generated">
+            <a:extLst>
+              <a:ext uri="{FF2B5EF4-FFF2-40B4-BE49-F238E27FC236}">
+                <a16:creationId xmlns:a16="http://schemas.microsoft.com/office/drawing/2014/main" id="{DA3A1453-E1E9-403E-957C-3E89260B14A4}"/>
+              </a:ext>
+            </a:extLst>
+          </p:cNvPr>
+          <p:cNvPicPr>
+            <a:picLocks noChangeAspect="1"/>
+          </p:cNvPicPr>
+          <p:nvPr/>
+        </p:nvPicPr>
+        <p:blipFill>
+          <a:blip r:embed="rId2"/>
+          <a:stretch>
+            <a:fillRect/>
+          </a:stretch>
+        </p:blipFill>
+        <p:spPr>
+          <a:xfrm>
+            <a:off x="1299260" y="3043196"/>
+            <a:ext cx="8688012" cy="1286054"/>
+          </a:xfrm>
+          <a:prstGeom prst="rect">
+            <a:avLst/>
+          </a:prstGeom>
+        </p:spPr>
+      </p:pic>
+      <p:pic>
+        <p:nvPicPr>
+          <p:cNvPr id="9" name="Picture 8">
+            <a:extLst>
+              <a:ext uri="{FF2B5EF4-FFF2-40B4-BE49-F238E27FC236}">
+                <a16:creationId xmlns:a16="http://schemas.microsoft.com/office/drawing/2014/main" id="{6FF20FF9-0D44-4245-A332-C4A96DA3F2C3}"/>
+              </a:ext>
+            </a:extLst>
+          </p:cNvPr>
+          <p:cNvPicPr>
+            <a:picLocks noChangeAspect="1"/>
+          </p:cNvPicPr>
+          <p:nvPr/>
+        </p:nvPicPr>
+        <p:blipFill>
+          <a:blip r:embed="rId3"/>
+          <a:stretch>
+            <a:fillRect/>
+          </a:stretch>
+        </p:blipFill>
+        <p:spPr>
+          <a:xfrm>
+            <a:off x="1299260" y="4836324"/>
+            <a:ext cx="8554644" cy="905001"/>
+          </a:xfrm>
+          <a:prstGeom prst="rect">
+            <a:avLst/>
+          </a:prstGeom>
+        </p:spPr>
+      </p:pic>
     </p:spTree>
     <p:extLst>
       <p:ext uri="{BB962C8B-B14F-4D97-AF65-F5344CB8AC3E}">
-        <p14:creationId xmlns:p14="http://schemas.microsoft.com/office/powerpoint/2010/main" val="178364505"/>
+        <p14:creationId xmlns:p14="http://schemas.microsoft.com/office/powerpoint/2010/main" val="697099241"/>
       </p:ext>
     </p:extLst>
   </p:cSld>
@@ -6218,6 +6361,187 @@
           <p:cNvPr id="2" name="Title 1">
             <a:extLst>
               <a:ext uri="{FF2B5EF4-FFF2-40B4-BE49-F238E27FC236}">
+                <a16:creationId xmlns:a16="http://schemas.microsoft.com/office/drawing/2014/main" id="{C02838B5-539F-4F47-8A6C-117015BF9EB7}"/>
+              </a:ext>
+            </a:extLst>
+          </p:cNvPr>
+          <p:cNvSpPr>
+            <a:spLocks noGrp="1"/>
+          </p:cNvSpPr>
+          <p:nvPr>
+            <p:ph type="title"/>
+          </p:nvPr>
+        </p:nvSpPr>
+        <p:spPr/>
+        <p:txBody>
+          <a:bodyPr/>
+          <a:lstStyle/>
+          <a:p>
+            <a:r>
+              <a:rPr lang="en-CA" dirty="0"/>
+              <a:t>Did this result hold for the across the top 5 leagues?</a:t>
+            </a:r>
+          </a:p>
+        </p:txBody>
+      </p:sp>
+      <p:sp>
+        <p:nvSpPr>
+          <p:cNvPr id="3" name="Content Placeholder 2">
+            <a:extLst>
+              <a:ext uri="{FF2B5EF4-FFF2-40B4-BE49-F238E27FC236}">
+                <a16:creationId xmlns:a16="http://schemas.microsoft.com/office/drawing/2014/main" id="{4777F0FF-9887-41CD-9D8C-2F881FEC548B}"/>
+              </a:ext>
+            </a:extLst>
+          </p:cNvPr>
+          <p:cNvSpPr>
+            <a:spLocks noGrp="1"/>
+          </p:cNvSpPr>
+          <p:nvPr>
+            <p:ph idx="1"/>
+          </p:nvPr>
+        </p:nvSpPr>
+        <p:spPr/>
+        <p:txBody>
+          <a:bodyPr/>
+          <a:lstStyle/>
+          <a:p>
+            <a:endParaRPr lang="en-CA" dirty="0"/>
+          </a:p>
+        </p:txBody>
+      </p:sp>
+    </p:spTree>
+    <p:extLst>
+      <p:ext uri="{BB962C8B-B14F-4D97-AF65-F5344CB8AC3E}">
+        <p14:creationId xmlns:p14="http://schemas.microsoft.com/office/powerpoint/2010/main" val="954058987"/>
+      </p:ext>
+    </p:extLst>
+  </p:cSld>
+  <p:clrMapOvr>
+    <a:masterClrMapping/>
+  </p:clrMapOvr>
+</p:sld>
+</file>
+
+<file path=ppt/slides/slide13.xml><?xml version="1.0" encoding="utf-8"?>
+<p:sld xmlns:a="http://schemas.openxmlformats.org/drawingml/2006/main" xmlns:r="http://schemas.openxmlformats.org/officeDocument/2006/relationships" xmlns:p="http://schemas.openxmlformats.org/presentationml/2006/main">
+  <p:cSld>
+    <p:spTree>
+      <p:nvGrpSpPr>
+        <p:cNvPr id="1" name=""/>
+        <p:cNvGrpSpPr/>
+        <p:nvPr/>
+      </p:nvGrpSpPr>
+      <p:grpSpPr>
+        <a:xfrm>
+          <a:off x="0" y="0"/>
+          <a:ext cx="0" cy="0"/>
+          <a:chOff x="0" y="0"/>
+          <a:chExt cx="0" cy="0"/>
+        </a:xfrm>
+      </p:grpSpPr>
+      <p:sp>
+        <p:nvSpPr>
+          <p:cNvPr id="2" name="Title 1">
+            <a:extLst>
+              <a:ext uri="{FF2B5EF4-FFF2-40B4-BE49-F238E27FC236}">
+                <a16:creationId xmlns:a16="http://schemas.microsoft.com/office/drawing/2014/main" id="{6937E6D7-AC6D-4A4E-9448-28AA51639621}"/>
+              </a:ext>
+            </a:extLst>
+          </p:cNvPr>
+          <p:cNvSpPr>
+            <a:spLocks noGrp="1"/>
+          </p:cNvSpPr>
+          <p:nvPr>
+            <p:ph type="title"/>
+          </p:nvPr>
+        </p:nvSpPr>
+        <p:spPr/>
+        <p:txBody>
+          <a:bodyPr/>
+          <a:lstStyle/>
+          <a:p>
+            <a:r>
+              <a:rPr lang="en-CA" dirty="0"/>
+              <a:t>Discussion</a:t>
+            </a:r>
+          </a:p>
+        </p:txBody>
+      </p:sp>
+      <p:sp>
+        <p:nvSpPr>
+          <p:cNvPr id="3" name="Content Placeholder 2">
+            <a:extLst>
+              <a:ext uri="{FF2B5EF4-FFF2-40B4-BE49-F238E27FC236}">
+                <a16:creationId xmlns:a16="http://schemas.microsoft.com/office/drawing/2014/main" id="{745C2514-CA24-421C-A5BE-9E99622246FF}"/>
+              </a:ext>
+            </a:extLst>
+          </p:cNvPr>
+          <p:cNvSpPr>
+            <a:spLocks noGrp="1"/>
+          </p:cNvSpPr>
+          <p:nvPr>
+            <p:ph idx="1"/>
+          </p:nvPr>
+        </p:nvSpPr>
+        <p:spPr/>
+        <p:txBody>
+          <a:bodyPr/>
+          <a:lstStyle/>
+          <a:p>
+            <a:r>
+              <a:rPr lang="en-CA" dirty="0"/>
+              <a:t>After our analysis we were able to answer our questions as well as we hoped.</a:t>
+            </a:r>
+          </a:p>
+          <a:p>
+            <a:r>
+              <a:rPr lang="en-CA" dirty="0"/>
+              <a:t>From our findings bookies are generally consistent. They are right generally as much as they are wrong.</a:t>
+            </a:r>
+          </a:p>
+          <a:p>
+            <a:r>
+              <a:rPr lang="en-CA" dirty="0"/>
+              <a:t>Basically sports is sports, anything can happen. You can follow a bookies odds or their choices and more times than not they are right. But they are wrong a lot as well.</a:t>
+            </a:r>
+          </a:p>
+        </p:txBody>
+      </p:sp>
+    </p:spTree>
+    <p:extLst>
+      <p:ext uri="{BB962C8B-B14F-4D97-AF65-F5344CB8AC3E}">
+        <p14:creationId xmlns:p14="http://schemas.microsoft.com/office/powerpoint/2010/main" val="178364505"/>
+      </p:ext>
+    </p:extLst>
+  </p:cSld>
+  <p:clrMapOvr>
+    <a:masterClrMapping/>
+  </p:clrMapOvr>
+</p:sld>
+</file>
+
+<file path=ppt/slides/slide14.xml><?xml version="1.0" encoding="utf-8"?>
+<p:sld xmlns:a="http://schemas.openxmlformats.org/drawingml/2006/main" xmlns:r="http://schemas.openxmlformats.org/officeDocument/2006/relationships" xmlns:p="http://schemas.openxmlformats.org/presentationml/2006/main">
+  <p:cSld>
+    <p:spTree>
+      <p:nvGrpSpPr>
+        <p:cNvPr id="1" name=""/>
+        <p:cNvGrpSpPr/>
+        <p:nvPr/>
+      </p:nvGrpSpPr>
+      <p:grpSpPr>
+        <a:xfrm>
+          <a:off x="0" y="0"/>
+          <a:ext cx="0" cy="0"/>
+          <a:chOff x="0" y="0"/>
+          <a:chExt cx="0" cy="0"/>
+        </a:xfrm>
+      </p:grpSpPr>
+      <p:sp>
+        <p:nvSpPr>
+          <p:cNvPr id="2" name="Title 1">
+            <a:extLst>
+              <a:ext uri="{FF2B5EF4-FFF2-40B4-BE49-F238E27FC236}">
                 <a16:creationId xmlns:a16="http://schemas.microsoft.com/office/drawing/2014/main" id="{10704D57-6B44-4EB6-9E8D-2ECC4125F268}"/>
               </a:ext>
             </a:extLst>
@@ -6296,7 +6620,7 @@
 </p:sld>
 </file>
 
-<file path=ppt/slides/slide13.xml><?xml version="1.0" encoding="utf-8"?>
+<file path=ppt/slides/slide15.xml><?xml version="1.0" encoding="utf-8"?>
 <p:sld xmlns:a="http://schemas.openxmlformats.org/drawingml/2006/main" xmlns:r="http://schemas.openxmlformats.org/officeDocument/2006/relationships" xmlns:p="http://schemas.openxmlformats.org/presentationml/2006/main">
   <p:cSld>
     <p:spTree>

--- a/Cleansing/Project1/Sports Betting.pptx
+++ b/Cleansing/Project1/Sports Betting.pptx
@@ -6229,16 +6229,19 @@
           <a:p>
             <a:r>
               <a:rPr lang="en-CA" dirty="0"/>
-              <a:t>However as it turns out the bookies odds for the home team trended down as the game time approached, signifying a </a:t>
+              <a:t>bookies odds for the home team went down by game time in 272/275 (or 98.9%) in the </a:t>
             </a:r>
             <a:r>
               <a:rPr lang="en-CA" dirty="0" err="1"/>
-              <a:t>inc</a:t>
+              <a:t>Eng</a:t>
             </a:r>
             <a:r>
               <a:rPr lang="en-CA" dirty="0"/>
-              <a:t> confidence in the home team 272/275 in the sample.</a:t>
-            </a:r>
+              <a:t> sample. </a:t>
+            </a:r>
+          </a:p>
+          <a:p>
+            <a:endParaRPr lang="en-CA" dirty="0"/>
           </a:p>
           <a:p>
             <a:endParaRPr lang="en-CA" dirty="0"/>
@@ -6318,8 +6321,8 @@
         </p:blipFill>
         <p:spPr>
           <a:xfrm>
-            <a:off x="1299260" y="4836324"/>
-            <a:ext cx="8554644" cy="905001"/>
+            <a:off x="1299260" y="5038343"/>
+            <a:ext cx="8688012" cy="905001"/>
           </a:xfrm>
           <a:prstGeom prst="rect">
             <a:avLst/>
@@ -6405,10 +6408,61 @@
           <a:bodyPr/>
           <a:lstStyle/>
           <a:p>
+            <a:r>
+              <a:rPr lang="en-CA" dirty="0"/>
+              <a:t>After 1386 one dollar bets over a one year period we’re ever so slightly in the red. </a:t>
+            </a:r>
+          </a:p>
+          <a:p>
             <a:endParaRPr lang="en-CA" dirty="0"/>
           </a:p>
-        </p:txBody>
-      </p:sp>
+          <a:p>
+            <a:endParaRPr lang="en-CA" dirty="0"/>
+          </a:p>
+          <a:p>
+            <a:endParaRPr lang="en-CA" dirty="0"/>
+          </a:p>
+          <a:p>
+            <a:r>
+              <a:rPr lang="en-CA" dirty="0"/>
+              <a:t>Of note the finding of home team odds having their odds deflated the close one got to game time occurs less often in the other leagues. (1058/1111 or 95.2% of the time)</a:t>
+            </a:r>
+          </a:p>
+          <a:p>
+            <a:endParaRPr lang="en-CA" dirty="0"/>
+          </a:p>
+        </p:txBody>
+      </p:sp>
+      <p:pic>
+        <p:nvPicPr>
+          <p:cNvPr id="5" name="Picture 4">
+            <a:extLst>
+              <a:ext uri="{FF2B5EF4-FFF2-40B4-BE49-F238E27FC236}">
+                <a16:creationId xmlns:a16="http://schemas.microsoft.com/office/drawing/2014/main" id="{19ADCDD3-2AF5-487C-87BF-C180AF9BE506}"/>
+              </a:ext>
+            </a:extLst>
+          </p:cNvPr>
+          <p:cNvPicPr>
+            <a:picLocks noChangeAspect="1"/>
+          </p:cNvPicPr>
+          <p:nvPr/>
+        </p:nvPicPr>
+        <p:blipFill>
+          <a:blip r:embed="rId2"/>
+          <a:stretch>
+            <a:fillRect/>
+          </a:stretch>
+        </p:blipFill>
+        <p:spPr>
+          <a:xfrm>
+            <a:off x="1514262" y="2819497"/>
+            <a:ext cx="8535591" cy="885949"/>
+          </a:xfrm>
+          <a:prstGeom prst="rect">
+            <a:avLst/>
+          </a:prstGeom>
+        </p:spPr>
+      </p:pic>
     </p:spTree>
     <p:extLst>
       <p:ext uri="{BB962C8B-B14F-4D97-AF65-F5344CB8AC3E}">
@@ -6503,6 +6557,12 @@
             <a:r>
               <a:rPr lang="en-CA" dirty="0"/>
               <a:t>Basically sports is sports, anything can happen. You can follow a bookies odds or their choices and more times than not they are right. But they are wrong a lot as well.</a:t>
+            </a:r>
+          </a:p>
+          <a:p>
+            <a:r>
+              <a:rPr lang="en-CA" dirty="0"/>
+              <a:t>In fact seeing how close to even we can get with very simple betting strategies, there’s hope for getting an advantage over them with more data and more wrangling. </a:t>
             </a:r>
           </a:p>
         </p:txBody>

--- a/Cleansing/Project1/Sports Betting.pptx
+++ b/Cleansing/Project1/Sports Betting.pptx
@@ -7311,6 +7311,30 @@
 <file path=ppt/slides/slide7.xml><?xml version="1.0" encoding="utf-8"?>
 <p:sld xmlns:a="http://schemas.openxmlformats.org/drawingml/2006/main" xmlns:r="http://schemas.openxmlformats.org/officeDocument/2006/relationships" xmlns:p="http://schemas.openxmlformats.org/presentationml/2006/main">
   <p:cSld>
+    <p:bg>
+      <p:bgPr>
+        <a:blipFill rotWithShape="1">
+          <a:blip r:embed="rId2">
+            <a:duotone>
+              <a:schemeClr val="bg2">
+                <a:shade val="62000"/>
+                <a:hueMod val="108000"/>
+                <a:satMod val="164000"/>
+                <a:lumMod val="69000"/>
+              </a:schemeClr>
+              <a:schemeClr val="bg2">
+                <a:tint val="96000"/>
+                <a:hueMod val="90000"/>
+                <a:satMod val="130000"/>
+                <a:lumMod val="134000"/>
+              </a:schemeClr>
+            </a:duotone>
+          </a:blip>
+          <a:stretch/>
+        </a:blipFill>
+        <a:effectLst/>
+      </p:bgPr>
+    </p:bg>
     <p:spTree>
       <p:nvGrpSpPr>
         <p:cNvPr id="1" name=""/>
@@ -7325,6 +7349,315 @@
           <a:chExt cx="0" cy="0"/>
         </a:xfrm>
       </p:grpSpPr>
+      <p:pic>
+        <p:nvPicPr>
+          <p:cNvPr id="73" name="Picture 72">
+            <a:extLst>
+              <a:ext uri="{FF2B5EF4-FFF2-40B4-BE49-F238E27FC236}">
+                <a16:creationId xmlns:a16="http://schemas.microsoft.com/office/drawing/2014/main" id="{9EB56FE1-6944-43D7-8440-1190DAED6EBD}"/>
+              </a:ext>
+              <a:ext uri="{C183D7F6-B498-43B3-948B-1728B52AA6E4}">
+                <adec:decorative xmlns:adec="http://schemas.microsoft.com/office/drawing/2017/decorative" val="1"/>
+              </a:ext>
+            </a:extLst>
+          </p:cNvPr>
+          <p:cNvPicPr>
+            <a:picLocks noGrp="1" noRot="1" noChangeAspect="1" noMove="1" noResize="1" noEditPoints="1" noAdjustHandles="1" noChangeArrowheads="1" noChangeShapeType="1" noCrop="1"/>
+          </p:cNvPicPr>
+          <p:nvPr>
+            <p:extLst>
+              <p:ext uri="{386F3935-93C4-4BCD-93E2-E3B085C9AB24}">
+                <p16:designElem xmlns:p16="http://schemas.microsoft.com/office/powerpoint/2015/main" val="1"/>
+              </p:ext>
+            </p:extLst>
+          </p:nvPr>
+        </p:nvPicPr>
+        <p:blipFill rotWithShape="1">
+          <a:blip r:embed="rId3">
+            <a:extLst>
+              <a:ext uri="{28A0092B-C50C-407E-A947-70E740481C1C}">
+                <a14:useLocalDpi xmlns:a14="http://schemas.microsoft.com/office/drawing/2010/main" val="0"/>
+              </a:ext>
+            </a:extLst>
+          </a:blip>
+          <a:srcRect l="3613"/>
+          <a:stretch/>
+        </p:blipFill>
+        <p:spPr>
+          <a:xfrm>
+            <a:off x="0" y="2669685"/>
+            <a:ext cx="4037012" cy="4188315"/>
+          </a:xfrm>
+          <a:prstGeom prst="rect">
+            <a:avLst/>
+          </a:prstGeom>
+        </p:spPr>
+      </p:pic>
+      <p:pic>
+        <p:nvPicPr>
+          <p:cNvPr id="75" name="Picture 74">
+            <a:extLst>
+              <a:ext uri="{FF2B5EF4-FFF2-40B4-BE49-F238E27FC236}">
+                <a16:creationId xmlns:a16="http://schemas.microsoft.com/office/drawing/2014/main" id="{6B89412C-5C0E-4547-8705-988BE3ED22CD}"/>
+              </a:ext>
+              <a:ext uri="{C183D7F6-B498-43B3-948B-1728B52AA6E4}">
+                <adec:decorative xmlns:adec="http://schemas.microsoft.com/office/drawing/2017/decorative" val="1"/>
+              </a:ext>
+            </a:extLst>
+          </p:cNvPr>
+          <p:cNvPicPr>
+            <a:picLocks noGrp="1" noRot="1" noChangeAspect="1" noMove="1" noResize="1" noEditPoints="1" noAdjustHandles="1" noChangeArrowheads="1" noChangeShapeType="1" noCrop="1"/>
+          </p:cNvPicPr>
+          <p:nvPr>
+            <p:extLst>
+              <p:ext uri="{386F3935-93C4-4BCD-93E2-E3B085C9AB24}">
+                <p16:designElem xmlns:p16="http://schemas.microsoft.com/office/powerpoint/2015/main" val="1"/>
+              </p:ext>
+            </p:extLst>
+          </p:nvPr>
+        </p:nvPicPr>
+        <p:blipFill rotWithShape="1">
+          <a:blip r:embed="rId4">
+            <a:extLst>
+              <a:ext uri="{28A0092B-C50C-407E-A947-70E740481C1C}">
+                <a14:useLocalDpi xmlns:a14="http://schemas.microsoft.com/office/drawing/2010/main" val="0"/>
+              </a:ext>
+            </a:extLst>
+          </a:blip>
+          <a:srcRect l="35640"/>
+          <a:stretch/>
+        </p:blipFill>
+        <p:spPr>
+          <a:xfrm>
+            <a:off x="0" y="2892347"/>
+            <a:ext cx="1522412" cy="2365453"/>
+          </a:xfrm>
+          <a:prstGeom prst="rect">
+            <a:avLst/>
+          </a:prstGeom>
+        </p:spPr>
+      </p:pic>
+      <p:sp>
+        <p:nvSpPr>
+          <p:cNvPr id="77" name="Oval 76">
+            <a:extLst>
+              <a:ext uri="{FF2B5EF4-FFF2-40B4-BE49-F238E27FC236}">
+                <a16:creationId xmlns:a16="http://schemas.microsoft.com/office/drawing/2014/main" id="{BDBE258A-7E75-4D51-B4CB-C95FB702EE2F}"/>
+              </a:ext>
+              <a:ext uri="{C183D7F6-B498-43B3-948B-1728B52AA6E4}">
+                <adec:decorative xmlns:adec="http://schemas.microsoft.com/office/drawing/2017/decorative" val="1"/>
+              </a:ext>
+            </a:extLst>
+          </p:cNvPr>
+          <p:cNvSpPr>
+            <a:spLocks noGrp="1" noRot="1" noChangeAspect="1" noMove="1" noResize="1" noEditPoints="1" noAdjustHandles="1" noChangeArrowheads="1" noChangeShapeType="1" noTextEdit="1"/>
+          </p:cNvSpPr>
+          <p:nvPr>
+            <p:extLst>
+              <p:ext uri="{386F3935-93C4-4BCD-93E2-E3B085C9AB24}">
+                <p16:designElem xmlns:p16="http://schemas.microsoft.com/office/powerpoint/2015/main" val="1"/>
+              </p:ext>
+            </p:extLst>
+          </p:nvPr>
+        </p:nvSpPr>
+        <p:spPr>
+          <a:xfrm>
+            <a:off x="8609012" y="1676400"/>
+            <a:ext cx="2819400" cy="2819400"/>
+          </a:xfrm>
+          <a:prstGeom prst="ellipse">
+            <a:avLst/>
+          </a:prstGeom>
+          <a:gradFill flip="none" rotWithShape="1">
+            <a:gsLst>
+              <a:gs pos="0">
+                <a:schemeClr val="bg2">
+                  <a:lumMod val="40000"/>
+                  <a:lumOff val="60000"/>
+                  <a:alpha val="7000"/>
+                </a:schemeClr>
+              </a:gs>
+              <a:gs pos="69000">
+                <a:schemeClr val="bg2">
+                  <a:lumMod val="40000"/>
+                  <a:lumOff val="60000"/>
+                  <a:alpha val="0"/>
+                </a:schemeClr>
+              </a:gs>
+              <a:gs pos="36000">
+                <a:schemeClr val="bg2">
+                  <a:lumMod val="40000"/>
+                  <a:lumOff val="60000"/>
+                  <a:alpha val="6000"/>
+                </a:schemeClr>
+              </a:gs>
+            </a:gsLst>
+            <a:path path="circle">
+              <a:fillToRect l="50000" t="50000" r="50000" b="50000"/>
+            </a:path>
+            <a:tileRect/>
+          </a:gradFill>
+          <a:ln>
+            <a:noFill/>
+          </a:ln>
+          <a:effectLst/>
+        </p:spPr>
+        <p:style>
+          <a:lnRef idx="1">
+            <a:schemeClr val="accent1"/>
+          </a:lnRef>
+          <a:fillRef idx="3">
+            <a:schemeClr val="accent1"/>
+          </a:fillRef>
+          <a:effectRef idx="2">
+            <a:schemeClr val="accent1"/>
+          </a:effectRef>
+          <a:fontRef idx="minor">
+            <a:schemeClr val="lt1"/>
+          </a:fontRef>
+        </p:style>
+      </p:sp>
+      <p:pic>
+        <p:nvPicPr>
+          <p:cNvPr id="79" name="Picture 78">
+            <a:extLst>
+              <a:ext uri="{FF2B5EF4-FFF2-40B4-BE49-F238E27FC236}">
+                <a16:creationId xmlns:a16="http://schemas.microsoft.com/office/drawing/2014/main" id="{8EEFF789-5B8D-402B-A041-F15E9276D012}"/>
+              </a:ext>
+              <a:ext uri="{C183D7F6-B498-43B3-948B-1728B52AA6E4}">
+                <adec:decorative xmlns:adec="http://schemas.microsoft.com/office/drawing/2017/decorative" val="1"/>
+              </a:ext>
+            </a:extLst>
+          </p:cNvPr>
+          <p:cNvPicPr>
+            <a:picLocks noGrp="1" noRot="1" noChangeAspect="1" noMove="1" noResize="1" noEditPoints="1" noAdjustHandles="1" noChangeArrowheads="1" noChangeShapeType="1" noCrop="1"/>
+          </p:cNvPicPr>
+          <p:nvPr>
+            <p:extLst>
+              <p:ext uri="{386F3935-93C4-4BCD-93E2-E3B085C9AB24}">
+                <p16:designElem xmlns:p16="http://schemas.microsoft.com/office/powerpoint/2015/main" val="1"/>
+              </p:ext>
+            </p:extLst>
+          </p:nvPr>
+        </p:nvPicPr>
+        <p:blipFill rotWithShape="1">
+          <a:blip r:embed="rId5">
+            <a:extLst>
+              <a:ext uri="{28A0092B-C50C-407E-A947-70E740481C1C}">
+                <a14:useLocalDpi xmlns:a14="http://schemas.microsoft.com/office/drawing/2010/main" val="0"/>
+              </a:ext>
+            </a:extLst>
+          </a:blip>
+          <a:srcRect t="28813"/>
+          <a:stretch/>
+        </p:blipFill>
+        <p:spPr>
+          <a:xfrm>
+            <a:off x="7999412" y="0"/>
+            <a:ext cx="1603387" cy="1141407"/>
+          </a:xfrm>
+          <a:prstGeom prst="rect">
+            <a:avLst/>
+          </a:prstGeom>
+        </p:spPr>
+      </p:pic>
+      <p:pic>
+        <p:nvPicPr>
+          <p:cNvPr id="81" name="Picture 80">
+            <a:extLst>
+              <a:ext uri="{FF2B5EF4-FFF2-40B4-BE49-F238E27FC236}">
+                <a16:creationId xmlns:a16="http://schemas.microsoft.com/office/drawing/2014/main" id="{BFD1ECE8-0DC1-4BED-8616-8EC623A917F7}"/>
+              </a:ext>
+              <a:ext uri="{C183D7F6-B498-43B3-948B-1728B52AA6E4}">
+                <adec:decorative xmlns:adec="http://schemas.microsoft.com/office/drawing/2017/decorative" val="1"/>
+              </a:ext>
+            </a:extLst>
+          </p:cNvPr>
+          <p:cNvPicPr>
+            <a:picLocks noGrp="1" noRot="1" noChangeAspect="1" noMove="1" noResize="1" noEditPoints="1" noAdjustHandles="1" noChangeArrowheads="1" noChangeShapeType="1" noCrop="1"/>
+          </p:cNvPicPr>
+          <p:nvPr>
+            <p:extLst>
+              <p:ext uri="{386F3935-93C4-4BCD-93E2-E3B085C9AB24}">
+                <p16:designElem xmlns:p16="http://schemas.microsoft.com/office/powerpoint/2015/main" val="1"/>
+              </p:ext>
+            </p:extLst>
+          </p:nvPr>
+        </p:nvPicPr>
+        <p:blipFill rotWithShape="1">
+          <a:blip r:embed="rId6">
+            <a:extLst>
+              <a:ext uri="{28A0092B-C50C-407E-A947-70E740481C1C}">
+                <a14:useLocalDpi xmlns:a14="http://schemas.microsoft.com/office/drawing/2010/main" val="0"/>
+              </a:ext>
+            </a:extLst>
+          </a:blip>
+          <a:srcRect b="23320"/>
+          <a:stretch/>
+        </p:blipFill>
+        <p:spPr>
+          <a:xfrm>
+            <a:off x="8609012" y="6096000"/>
+            <a:ext cx="993734" cy="762000"/>
+          </a:xfrm>
+          <a:prstGeom prst="rect">
+            <a:avLst/>
+          </a:prstGeom>
+        </p:spPr>
+      </p:pic>
+      <p:sp>
+        <p:nvSpPr>
+          <p:cNvPr id="83" name="Rectangle 82">
+            <a:extLst>
+              <a:ext uri="{FF2B5EF4-FFF2-40B4-BE49-F238E27FC236}">
+                <a16:creationId xmlns:a16="http://schemas.microsoft.com/office/drawing/2014/main" id="{4630FC49-2A84-4315-BFDF-2CEF7B0BD5BA}"/>
+              </a:ext>
+              <a:ext uri="{C183D7F6-B498-43B3-948B-1728B52AA6E4}">
+                <adec:decorative xmlns:adec="http://schemas.microsoft.com/office/drawing/2017/decorative" val="1"/>
+              </a:ext>
+            </a:extLst>
+          </p:cNvPr>
+          <p:cNvSpPr>
+            <a:spLocks noGrp="1" noRot="1" noChangeAspect="1" noMove="1" noResize="1" noEditPoints="1" noAdjustHandles="1" noChangeArrowheads="1" noChangeShapeType="1" noTextEdit="1"/>
+          </p:cNvSpPr>
+          <p:nvPr>
+            <p:extLst>
+              <p:ext uri="{386F3935-93C4-4BCD-93E2-E3B085C9AB24}">
+                <p16:designElem xmlns:p16="http://schemas.microsoft.com/office/powerpoint/2015/main" val="1"/>
+              </p:ext>
+            </p:extLst>
+          </p:nvPr>
+        </p:nvSpPr>
+        <p:spPr>
+          <a:xfrm>
+            <a:off x="10437812" y="0"/>
+            <a:ext cx="685800" cy="1143000"/>
+          </a:xfrm>
+          <a:prstGeom prst="rect">
+            <a:avLst/>
+          </a:prstGeom>
+          <a:solidFill>
+            <a:schemeClr val="accent1"/>
+          </a:solidFill>
+          <a:ln>
+            <a:noFill/>
+          </a:ln>
+        </p:spPr>
+        <p:style>
+          <a:lnRef idx="1">
+            <a:schemeClr val="accent1"/>
+          </a:lnRef>
+          <a:fillRef idx="3">
+            <a:schemeClr val="accent1"/>
+          </a:fillRef>
+          <a:effectRef idx="2">
+            <a:schemeClr val="accent1"/>
+          </a:effectRef>
+          <a:fontRef idx="minor">
+            <a:schemeClr val="lt1"/>
+          </a:fontRef>
+        </p:style>
+      </p:sp>
       <p:sp>
         <p:nvSpPr>
           <p:cNvPr id="2" name="Title 1">
@@ -7341,21 +7674,696 @@
             <p:ph type="title"/>
           </p:nvPr>
         </p:nvSpPr>
-        <p:spPr/>
-        <p:txBody>
-          <a:bodyPr/>
+        <p:spPr>
+          <a:xfrm>
+            <a:off x="8210623" y="1447800"/>
+            <a:ext cx="3333676" cy="3096987"/>
+          </a:xfrm>
+        </p:spPr>
+        <p:txBody>
+          <a:bodyPr vert="horz" lIns="91440" tIns="45720" rIns="91440" bIns="45720" rtlCol="0" anchor="b">
+            <a:normAutofit/>
+          </a:bodyPr>
           <a:lstStyle/>
           <a:p>
-            <a:r>
-              <a:rPr lang="en-CA" dirty="0"/>
+            <a:pPr>
+              <a:lnSpc>
+                <a:spcPct val="90000"/>
+              </a:lnSpc>
+            </a:pPr>
+            <a:r>
+              <a:rPr lang="en-US"/>
               <a:t>Confidence of bookies for each matchup?</a:t>
             </a:r>
+          </a:p>
+        </p:txBody>
+      </p:sp>
+      <p:sp>
+        <p:nvSpPr>
+          <p:cNvPr id="85" name="Rectangle 84">
+            <a:extLst>
+              <a:ext uri="{FF2B5EF4-FFF2-40B4-BE49-F238E27FC236}">
+                <a16:creationId xmlns:a16="http://schemas.microsoft.com/office/drawing/2014/main" id="{28C6E02A-E573-4EA7-825B-164BEA16EC94}"/>
+              </a:ext>
+              <a:ext uri="{C183D7F6-B498-43B3-948B-1728B52AA6E4}">
+                <adec:decorative xmlns:adec="http://schemas.microsoft.com/office/drawing/2017/decorative" val="1"/>
+              </a:ext>
+            </a:extLst>
+          </p:cNvPr>
+          <p:cNvSpPr>
+            <a:spLocks noGrp="1" noRot="1" noChangeAspect="1" noMove="1" noResize="1" noEditPoints="1" noAdjustHandles="1" noChangeArrowheads="1" noChangeShapeType="1" noTextEdit="1"/>
+          </p:cNvSpPr>
+          <p:nvPr>
+            <p:extLst>
+              <p:ext uri="{386F3935-93C4-4BCD-93E2-E3B085C9AB24}">
+                <p16:designElem xmlns:p16="http://schemas.microsoft.com/office/powerpoint/2015/main" val="1"/>
+              </p:ext>
+            </p:extLst>
+          </p:nvPr>
+        </p:nvSpPr>
+        <p:spPr>
+          <a:xfrm>
+            <a:off x="0" y="0"/>
+            <a:ext cx="7157124" cy="6858000"/>
+          </a:xfrm>
+          <a:prstGeom prst="rect">
+            <a:avLst/>
+          </a:prstGeom>
+          <a:solidFill>
+            <a:srgbClr val="FFFFFF"/>
+          </a:solidFill>
+          <a:ln>
+            <a:noFill/>
+          </a:ln>
+        </p:spPr>
+        <p:style>
+          <a:lnRef idx="2">
+            <a:schemeClr val="accent1">
+              <a:shade val="50000"/>
+            </a:schemeClr>
+          </a:lnRef>
+          <a:fillRef idx="1">
+            <a:schemeClr val="accent1"/>
+          </a:fillRef>
+          <a:effectRef idx="0">
+            <a:schemeClr val="accent1"/>
+          </a:effectRef>
+          <a:fontRef idx="minor">
+            <a:schemeClr val="lt1"/>
+          </a:fontRef>
+        </p:style>
+        <p:txBody>
+          <a:bodyPr rtlCol="0" anchor="ctr"/>
+          <a:lstStyle/>
+          <a:p>
+            <a:pPr algn="ctr"/>
+            <a:endParaRPr lang="en-US"/>
           </a:p>
         </p:txBody>
       </p:sp>
       <p:pic>
         <p:nvPicPr>
-          <p:cNvPr id="2050" name="Picture 2">
+          <p:cNvPr id="2052" name="Picture 4" descr="Chart, line chart&#10;&#10;Description automatically generated">
+            <a:extLst>
+              <a:ext uri="{FF2B5EF4-FFF2-40B4-BE49-F238E27FC236}">
+                <a16:creationId xmlns:a16="http://schemas.microsoft.com/office/drawing/2014/main" id="{1A93234F-2033-48A8-A4C9-B3B549AC9184}"/>
+              </a:ext>
+            </a:extLst>
+          </p:cNvPr>
+          <p:cNvPicPr>
+            <a:picLocks noChangeAspect="1" noChangeArrowheads="1"/>
+          </p:cNvPicPr>
+          <p:nvPr/>
+        </p:nvPicPr>
+        <p:blipFill>
+          <a:blip r:embed="rId7">
+            <a:extLst>
+              <a:ext uri="{28A0092B-C50C-407E-A947-70E740481C1C}">
+                <a14:useLocalDpi xmlns:a14="http://schemas.microsoft.com/office/drawing/2010/main" val="0"/>
+              </a:ext>
+            </a:extLst>
+          </a:blip>
+          <a:stretch>
+            <a:fillRect/>
+          </a:stretch>
+        </p:blipFill>
+        <p:spPr bwMode="auto">
+          <a:xfrm>
+            <a:off x="643853" y="899659"/>
+            <a:ext cx="3038347" cy="2154746"/>
+          </a:xfrm>
+          <a:prstGeom prst="rect">
+            <a:avLst/>
+          </a:prstGeom>
+          <a:noFill/>
+          <a:effectLst/>
+          <a:extLst>
+            <a:ext uri="{909E8E84-426E-40DD-AFC4-6F175D3DCCD1}">
+              <a14:hiddenFill xmlns:a14="http://schemas.microsoft.com/office/drawing/2010/main">
+                <a:solidFill>
+                  <a:srgbClr val="FFFFFF"/>
+                </a:solidFill>
+              </a14:hiddenFill>
+            </a:ext>
+          </a:extLst>
+        </p:spPr>
+      </p:pic>
+      <p:sp>
+        <p:nvSpPr>
+          <p:cNvPr id="87" name="Freeform 31">
+            <a:extLst>
+              <a:ext uri="{FF2B5EF4-FFF2-40B4-BE49-F238E27FC236}">
+                <a16:creationId xmlns:a16="http://schemas.microsoft.com/office/drawing/2014/main" id="{8D72B389-883E-4868-9712-4C914A30F4D6}"/>
+              </a:ext>
+              <a:ext uri="{C183D7F6-B498-43B3-948B-1728B52AA6E4}">
+                <adec:decorative xmlns:adec="http://schemas.microsoft.com/office/drawing/2017/decorative" val="1"/>
+              </a:ext>
+            </a:extLst>
+          </p:cNvPr>
+          <p:cNvSpPr>
+            <a:spLocks noGrp="1" noRot="1" noChangeAspect="1" noMove="1" noResize="1" noEditPoints="1" noAdjustHandles="1" noChangeArrowheads="1" noChangeShapeType="1" noTextEdit="1"/>
+          </p:cNvSpPr>
+          <p:nvPr>
+            <p:extLst>
+              <p:ext uri="{386F3935-93C4-4BCD-93E2-E3B085C9AB24}">
+                <p16:designElem xmlns:p16="http://schemas.microsoft.com/office/powerpoint/2015/main" val="1"/>
+              </p:ext>
+            </p:extLst>
+          </p:nvPr>
+        </p:nvSpPr>
+        <p:spPr>
+          <a:xfrm flipH="1">
+            <a:off x="7463681" y="-1"/>
+            <a:ext cx="559472" cy="3709642"/>
+          </a:xfrm>
+          <a:custGeom>
+            <a:avLst/>
+            <a:gdLst>
+              <a:gd name="connsiteX0" fmla="*/ 0 w 559472"/>
+              <a:gd name="connsiteY0" fmla="*/ 0 h 3709642"/>
+              <a:gd name="connsiteX1" fmla="*/ 473952 w 559472"/>
+              <a:gd name="connsiteY1" fmla="*/ 0 h 3709642"/>
+              <a:gd name="connsiteX2" fmla="*/ 485840 w 559472"/>
+              <a:gd name="connsiteY2" fmla="*/ 161194 h 3709642"/>
+              <a:gd name="connsiteX3" fmla="*/ 523949 w 559472"/>
+              <a:gd name="connsiteY3" fmla="*/ 3672197 h 3709642"/>
+              <a:gd name="connsiteX4" fmla="*/ 454748 w 559472"/>
+              <a:gd name="connsiteY4" fmla="*/ 3709642 h 3709642"/>
+              <a:gd name="connsiteX5" fmla="*/ 448224 w 559472"/>
+              <a:gd name="connsiteY5" fmla="*/ 3510471 h 3709642"/>
+              <a:gd name="connsiteX6" fmla="*/ 443564 w 559472"/>
+              <a:gd name="connsiteY6" fmla="*/ 3408563 h 3709642"/>
+              <a:gd name="connsiteX7" fmla="*/ 438902 w 559472"/>
+              <a:gd name="connsiteY7" fmla="*/ 3304407 h 3709642"/>
+              <a:gd name="connsiteX8" fmla="*/ 433941 w 559472"/>
+              <a:gd name="connsiteY8" fmla="*/ 3198777 h 3709642"/>
+              <a:gd name="connsiteX9" fmla="*/ 427584 w 559472"/>
+              <a:gd name="connsiteY9" fmla="*/ 3092510 h 3709642"/>
+              <a:gd name="connsiteX10" fmla="*/ 420988 w 559472"/>
+              <a:gd name="connsiteY10" fmla="*/ 2984390 h 3709642"/>
+              <a:gd name="connsiteX11" fmla="*/ 414330 w 559472"/>
+              <a:gd name="connsiteY11" fmla="*/ 2874401 h 3709642"/>
+              <a:gd name="connsiteX12" fmla="*/ 406840 w 559472"/>
+              <a:gd name="connsiteY12" fmla="*/ 2762980 h 3709642"/>
+              <a:gd name="connsiteX13" fmla="*/ 397745 w 559472"/>
+              <a:gd name="connsiteY13" fmla="*/ 2650566 h 3709642"/>
+              <a:gd name="connsiteX14" fmla="*/ 389154 w 559472"/>
+              <a:gd name="connsiteY14" fmla="*/ 2536612 h 3709642"/>
+              <a:gd name="connsiteX15" fmla="*/ 379225 w 559472"/>
+              <a:gd name="connsiteY15" fmla="*/ 2421642 h 3709642"/>
+              <a:gd name="connsiteX16" fmla="*/ 368316 w 559472"/>
+              <a:gd name="connsiteY16" fmla="*/ 2305627 h 3709642"/>
+              <a:gd name="connsiteX17" fmla="*/ 357466 w 559472"/>
+              <a:gd name="connsiteY17" fmla="*/ 2189233 h 3709642"/>
+              <a:gd name="connsiteX18" fmla="*/ 344982 w 559472"/>
+              <a:gd name="connsiteY18" fmla="*/ 2071473 h 3709642"/>
+              <a:gd name="connsiteX19" fmla="*/ 332466 w 559472"/>
+              <a:gd name="connsiteY19" fmla="*/ 1952216 h 3709642"/>
+              <a:gd name="connsiteX20" fmla="*/ 319121 w 559472"/>
+              <a:gd name="connsiteY20" fmla="*/ 1833776 h 3709642"/>
+              <a:gd name="connsiteX21" fmla="*/ 304408 w 559472"/>
+              <a:gd name="connsiteY21" fmla="*/ 1713948 h 3709642"/>
+              <a:gd name="connsiteX22" fmla="*/ 288685 w 559472"/>
+              <a:gd name="connsiteY22" fmla="*/ 1592703 h 3709642"/>
+              <a:gd name="connsiteX23" fmla="*/ 273050 w 559472"/>
+              <a:gd name="connsiteY23" fmla="*/ 1471451 h 3709642"/>
+              <a:gd name="connsiteX24" fmla="*/ 255813 w 559472"/>
+              <a:gd name="connsiteY24" fmla="*/ 1350328 h 3709642"/>
+              <a:gd name="connsiteX25" fmla="*/ 237060 w 559472"/>
+              <a:gd name="connsiteY25" fmla="*/ 1227080 h 3709642"/>
+              <a:gd name="connsiteX26" fmla="*/ 218488 w 559472"/>
+              <a:gd name="connsiteY26" fmla="*/ 1106065 h 3709642"/>
+              <a:gd name="connsiteX27" fmla="*/ 198221 w 559472"/>
+              <a:gd name="connsiteY27" fmla="*/ 982940 h 3709642"/>
+              <a:gd name="connsiteX28" fmla="*/ 177152 w 559472"/>
+              <a:gd name="connsiteY28" fmla="*/ 858755 h 3709642"/>
+              <a:gd name="connsiteX29" fmla="*/ 155551 w 559472"/>
+              <a:gd name="connsiteY29" fmla="*/ 736861 h 3709642"/>
+              <a:gd name="connsiteX30" fmla="*/ 131782 w 559472"/>
+              <a:gd name="connsiteY30" fmla="*/ 613645 h 3709642"/>
+              <a:gd name="connsiteX31" fmla="*/ 107123 w 559472"/>
+              <a:gd name="connsiteY31" fmla="*/ 490500 h 3709642"/>
+              <a:gd name="connsiteX32" fmla="*/ 82552 w 559472"/>
+              <a:gd name="connsiteY32" fmla="*/ 367348 h 3709642"/>
+              <a:gd name="connsiteX33" fmla="*/ 55608 w 559472"/>
+              <a:gd name="connsiteY33" fmla="*/ 244762 h 3709642"/>
+              <a:gd name="connsiteX34" fmla="*/ 28130 w 559472"/>
+              <a:gd name="connsiteY34" fmla="*/ 122220 h 3709642"/>
+              <a:gd name="connsiteX35" fmla="*/ 0 w 559472"/>
+              <a:gd name="connsiteY35" fmla="*/ 0 h 3709642"/>
+            </a:gdLst>
+            <a:ahLst/>
+            <a:cxnLst>
+              <a:cxn ang="0">
+                <a:pos x="connsiteX0" y="connsiteY0"/>
+              </a:cxn>
+              <a:cxn ang="0">
+                <a:pos x="connsiteX1" y="connsiteY1"/>
+              </a:cxn>
+              <a:cxn ang="0">
+                <a:pos x="connsiteX2" y="connsiteY2"/>
+              </a:cxn>
+              <a:cxn ang="0">
+                <a:pos x="connsiteX3" y="connsiteY3"/>
+              </a:cxn>
+              <a:cxn ang="0">
+                <a:pos x="connsiteX4" y="connsiteY4"/>
+              </a:cxn>
+              <a:cxn ang="0">
+                <a:pos x="connsiteX5" y="connsiteY5"/>
+              </a:cxn>
+              <a:cxn ang="0">
+                <a:pos x="connsiteX6" y="connsiteY6"/>
+              </a:cxn>
+              <a:cxn ang="0">
+                <a:pos x="connsiteX7" y="connsiteY7"/>
+              </a:cxn>
+              <a:cxn ang="0">
+                <a:pos x="connsiteX8" y="connsiteY8"/>
+              </a:cxn>
+              <a:cxn ang="0">
+                <a:pos x="connsiteX9" y="connsiteY9"/>
+              </a:cxn>
+              <a:cxn ang="0">
+                <a:pos x="connsiteX10" y="connsiteY10"/>
+              </a:cxn>
+              <a:cxn ang="0">
+                <a:pos x="connsiteX11" y="connsiteY11"/>
+              </a:cxn>
+              <a:cxn ang="0">
+                <a:pos x="connsiteX12" y="connsiteY12"/>
+              </a:cxn>
+              <a:cxn ang="0">
+                <a:pos x="connsiteX13" y="connsiteY13"/>
+              </a:cxn>
+              <a:cxn ang="0">
+                <a:pos x="connsiteX14" y="connsiteY14"/>
+              </a:cxn>
+              <a:cxn ang="0">
+                <a:pos x="connsiteX15" y="connsiteY15"/>
+              </a:cxn>
+              <a:cxn ang="0">
+                <a:pos x="connsiteX16" y="connsiteY16"/>
+              </a:cxn>
+              <a:cxn ang="0">
+                <a:pos x="connsiteX17" y="connsiteY17"/>
+              </a:cxn>
+              <a:cxn ang="0">
+                <a:pos x="connsiteX18" y="connsiteY18"/>
+              </a:cxn>
+              <a:cxn ang="0">
+                <a:pos x="connsiteX19" y="connsiteY19"/>
+              </a:cxn>
+              <a:cxn ang="0">
+                <a:pos x="connsiteX20" y="connsiteY20"/>
+              </a:cxn>
+              <a:cxn ang="0">
+                <a:pos x="connsiteX21" y="connsiteY21"/>
+              </a:cxn>
+              <a:cxn ang="0">
+                <a:pos x="connsiteX22" y="connsiteY22"/>
+              </a:cxn>
+              <a:cxn ang="0">
+                <a:pos x="connsiteX23" y="connsiteY23"/>
+              </a:cxn>
+              <a:cxn ang="0">
+                <a:pos x="connsiteX24" y="connsiteY24"/>
+              </a:cxn>
+              <a:cxn ang="0">
+                <a:pos x="connsiteX25" y="connsiteY25"/>
+              </a:cxn>
+              <a:cxn ang="0">
+                <a:pos x="connsiteX26" y="connsiteY26"/>
+              </a:cxn>
+              <a:cxn ang="0">
+                <a:pos x="connsiteX27" y="connsiteY27"/>
+              </a:cxn>
+              <a:cxn ang="0">
+                <a:pos x="connsiteX28" y="connsiteY28"/>
+              </a:cxn>
+              <a:cxn ang="0">
+                <a:pos x="connsiteX29" y="connsiteY29"/>
+              </a:cxn>
+              <a:cxn ang="0">
+                <a:pos x="connsiteX30" y="connsiteY30"/>
+              </a:cxn>
+              <a:cxn ang="0">
+                <a:pos x="connsiteX31" y="connsiteY31"/>
+              </a:cxn>
+              <a:cxn ang="0">
+                <a:pos x="connsiteX32" y="connsiteY32"/>
+              </a:cxn>
+              <a:cxn ang="0">
+                <a:pos x="connsiteX33" y="connsiteY33"/>
+              </a:cxn>
+              <a:cxn ang="0">
+                <a:pos x="connsiteX34" y="connsiteY34"/>
+              </a:cxn>
+              <a:cxn ang="0">
+                <a:pos x="connsiteX35" y="connsiteY35"/>
+              </a:cxn>
+            </a:cxnLst>
+            <a:rect l="l" t="t" r="r" b="b"/>
+            <a:pathLst>
+              <a:path w="559472" h="3709642">
+                <a:moveTo>
+                  <a:pt x="0" y="0"/>
+                </a:moveTo>
+                <a:lnTo>
+                  <a:pt x="473952" y="0"/>
+                </a:lnTo>
+                <a:lnTo>
+                  <a:pt x="485840" y="161194"/>
+                </a:lnTo>
+                <a:cubicBezTo>
+                  <a:pt x="552063" y="1147770"/>
+                  <a:pt x="592441" y="3086737"/>
+                  <a:pt x="523949" y="3672197"/>
+                </a:cubicBezTo>
+                <a:cubicBezTo>
+                  <a:pt x="500842" y="3684557"/>
+                  <a:pt x="477855" y="3697282"/>
+                  <a:pt x="454748" y="3709642"/>
+                </a:cubicBezTo>
+                <a:lnTo>
+                  <a:pt x="448224" y="3510471"/>
+                </a:lnTo>
+                <a:lnTo>
+                  <a:pt x="443564" y="3408563"/>
+                </a:lnTo>
+                <a:lnTo>
+                  <a:pt x="438902" y="3304407"/>
+                </a:lnTo>
+                <a:lnTo>
+                  <a:pt x="433941" y="3198777"/>
+                </a:lnTo>
+                <a:lnTo>
+                  <a:pt x="427584" y="3092510"/>
+                </a:lnTo>
+                <a:lnTo>
+                  <a:pt x="420988" y="2984390"/>
+                </a:lnTo>
+                <a:lnTo>
+                  <a:pt x="414330" y="2874401"/>
+                </a:lnTo>
+                <a:lnTo>
+                  <a:pt x="406840" y="2762980"/>
+                </a:lnTo>
+                <a:lnTo>
+                  <a:pt x="397745" y="2650566"/>
+                </a:lnTo>
+                <a:lnTo>
+                  <a:pt x="389154" y="2536612"/>
+                </a:lnTo>
+                <a:lnTo>
+                  <a:pt x="379225" y="2421642"/>
+                </a:lnTo>
+                <a:lnTo>
+                  <a:pt x="368316" y="2305627"/>
+                </a:lnTo>
+                <a:lnTo>
+                  <a:pt x="357466" y="2189233"/>
+                </a:lnTo>
+                <a:lnTo>
+                  <a:pt x="344982" y="2071473"/>
+                </a:lnTo>
+                <a:lnTo>
+                  <a:pt x="332466" y="1952216"/>
+                </a:lnTo>
+                <a:lnTo>
+                  <a:pt x="319121" y="1833776"/>
+                </a:lnTo>
+                <a:lnTo>
+                  <a:pt x="304408" y="1713948"/>
+                </a:lnTo>
+                <a:lnTo>
+                  <a:pt x="288685" y="1592703"/>
+                </a:lnTo>
+                <a:lnTo>
+                  <a:pt x="273050" y="1471451"/>
+                </a:lnTo>
+                <a:lnTo>
+                  <a:pt x="255813" y="1350328"/>
+                </a:lnTo>
+                <a:lnTo>
+                  <a:pt x="237060" y="1227080"/>
+                </a:lnTo>
+                <a:lnTo>
+                  <a:pt x="218488" y="1106065"/>
+                </a:lnTo>
+                <a:lnTo>
+                  <a:pt x="198221" y="982940"/>
+                </a:lnTo>
+                <a:lnTo>
+                  <a:pt x="177152" y="858755"/>
+                </a:lnTo>
+                <a:lnTo>
+                  <a:pt x="155551" y="736861"/>
+                </a:lnTo>
+                <a:lnTo>
+                  <a:pt x="131782" y="613645"/>
+                </a:lnTo>
+                <a:lnTo>
+                  <a:pt x="107123" y="490500"/>
+                </a:lnTo>
+                <a:lnTo>
+                  <a:pt x="82552" y="367348"/>
+                </a:lnTo>
+                <a:lnTo>
+                  <a:pt x="55608" y="244762"/>
+                </a:lnTo>
+                <a:lnTo>
+                  <a:pt x="28130" y="122220"/>
+                </a:lnTo>
+                <a:lnTo>
+                  <a:pt x="0" y="0"/>
+                </a:lnTo>
+                <a:close/>
+              </a:path>
+            </a:pathLst>
+          </a:custGeom>
+          <a:solidFill>
+            <a:schemeClr val="tx1">
+              <a:alpha val="20000"/>
+            </a:schemeClr>
+          </a:solidFill>
+          <a:ln>
+            <a:noFill/>
+          </a:ln>
+        </p:spPr>
+        <p:txBody>
+          <a:bodyPr rtlCol="0" anchor="ctr"/>
+          <a:lstStyle/>
+          <a:p>
+            <a:pPr algn="ctr"/>
+            <a:endParaRPr lang="en-US"/>
+          </a:p>
+        </p:txBody>
+      </p:sp>
+      <p:sp>
+        <p:nvSpPr>
+          <p:cNvPr id="89" name="Freeform 5">
+            <a:extLst>
+              <a:ext uri="{FF2B5EF4-FFF2-40B4-BE49-F238E27FC236}">
+                <a16:creationId xmlns:a16="http://schemas.microsoft.com/office/drawing/2014/main" id="{C9D33B23-71E5-4AAE-B6A9-D592270144F0}"/>
+              </a:ext>
+              <a:ext uri="{C183D7F6-B498-43B3-948B-1728B52AA6E4}">
+                <adec:decorative xmlns:adec="http://schemas.microsoft.com/office/drawing/2017/decorative" val="1"/>
+              </a:ext>
+            </a:extLst>
+          </p:cNvPr>
+          <p:cNvSpPr>
+            <a:spLocks noGrp="1" noRot="1" noChangeAspect="1" noMove="1" noResize="1" noEditPoints="1" noAdjustHandles="1" noChangeArrowheads="1" noChangeShapeType="1" noTextEdit="1"/>
+          </p:cNvSpPr>
+          <p:nvPr>
+            <p:extLst>
+              <p:ext uri="{386F3935-93C4-4BCD-93E2-E3B085C9AB24}">
+                <p16:designElem xmlns:p16="http://schemas.microsoft.com/office/powerpoint/2015/main" val="1"/>
+              </p:ext>
+            </p:extLst>
+          </p:nvPr>
+        </p:nvSpPr>
+        <p:spPr bwMode="gray">
+          <a:xfrm rot="5400000" flipH="1">
+            <a:off x="3708596" y="2756642"/>
+            <a:ext cx="6858000" cy="1344715"/>
+          </a:xfrm>
+          <a:custGeom>
+            <a:avLst/>
+            <a:gdLst/>
+            <a:ahLst/>
+            <a:cxnLst/>
+            <a:rect l="l" t="t" r="r" b="b"/>
+            <a:pathLst>
+              <a:path w="10000" h="8000">
+                <a:moveTo>
+                  <a:pt x="0" y="0"/>
+                </a:moveTo>
+                <a:lnTo>
+                  <a:pt x="0" y="7970"/>
+                </a:lnTo>
+                <a:lnTo>
+                  <a:pt x="10000" y="8000"/>
+                </a:lnTo>
+                <a:lnTo>
+                  <a:pt x="10000" y="7"/>
+                </a:lnTo>
+                <a:lnTo>
+                  <a:pt x="10000" y="7"/>
+                </a:lnTo>
+                <a:lnTo>
+                  <a:pt x="9773" y="156"/>
+                </a:lnTo>
+                <a:lnTo>
+                  <a:pt x="9547" y="298"/>
+                </a:lnTo>
+                <a:lnTo>
+                  <a:pt x="9320" y="437"/>
+                </a:lnTo>
+                <a:lnTo>
+                  <a:pt x="9092" y="556"/>
+                </a:lnTo>
+                <a:lnTo>
+                  <a:pt x="8865" y="676"/>
+                </a:lnTo>
+                <a:lnTo>
+                  <a:pt x="8637" y="788"/>
+                </a:lnTo>
+                <a:lnTo>
+                  <a:pt x="8412" y="884"/>
+                </a:lnTo>
+                <a:lnTo>
+                  <a:pt x="8184" y="975"/>
+                </a:lnTo>
+                <a:lnTo>
+                  <a:pt x="7957" y="1058"/>
+                </a:lnTo>
+                <a:lnTo>
+                  <a:pt x="7734" y="1130"/>
+                </a:lnTo>
+                <a:lnTo>
+                  <a:pt x="7508" y="1202"/>
+                </a:lnTo>
+                <a:lnTo>
+                  <a:pt x="7285" y="1262"/>
+                </a:lnTo>
+                <a:lnTo>
+                  <a:pt x="7062" y="1309"/>
+                </a:lnTo>
+                <a:lnTo>
+                  <a:pt x="6840" y="1358"/>
+                </a:lnTo>
+                <a:lnTo>
+                  <a:pt x="6620" y="1399"/>
+                </a:lnTo>
+                <a:lnTo>
+                  <a:pt x="6402" y="1428"/>
+                </a:lnTo>
+                <a:lnTo>
+                  <a:pt x="6184" y="1453"/>
+                </a:lnTo>
+                <a:lnTo>
+                  <a:pt x="5968" y="1477"/>
+                </a:lnTo>
+                <a:lnTo>
+                  <a:pt x="5755" y="1488"/>
+                </a:lnTo>
+                <a:lnTo>
+                  <a:pt x="5542" y="1500"/>
+                </a:lnTo>
+                <a:lnTo>
+                  <a:pt x="5332" y="1506"/>
+                </a:lnTo>
+                <a:lnTo>
+                  <a:pt x="5124" y="1500"/>
+                </a:lnTo>
+                <a:lnTo>
+                  <a:pt x="4918" y="1500"/>
+                </a:lnTo>
+                <a:lnTo>
+                  <a:pt x="4714" y="1488"/>
+                </a:lnTo>
+                <a:lnTo>
+                  <a:pt x="4514" y="1470"/>
+                </a:lnTo>
+                <a:lnTo>
+                  <a:pt x="4316" y="1453"/>
+                </a:lnTo>
+                <a:lnTo>
+                  <a:pt x="4122" y="1434"/>
+                </a:lnTo>
+                <a:lnTo>
+                  <a:pt x="3929" y="1405"/>
+                </a:lnTo>
+                <a:lnTo>
+                  <a:pt x="3739" y="1374"/>
+                </a:lnTo>
+                <a:lnTo>
+                  <a:pt x="3553" y="1346"/>
+                </a:lnTo>
+                <a:lnTo>
+                  <a:pt x="3190" y="1267"/>
+                </a:lnTo>
+                <a:lnTo>
+                  <a:pt x="2842" y="1183"/>
+                </a:lnTo>
+                <a:lnTo>
+                  <a:pt x="2508" y="1095"/>
+                </a:lnTo>
+                <a:lnTo>
+                  <a:pt x="2192" y="998"/>
+                </a:lnTo>
+                <a:lnTo>
+                  <a:pt x="1890" y="897"/>
+                </a:lnTo>
+                <a:lnTo>
+                  <a:pt x="1610" y="788"/>
+                </a:lnTo>
+                <a:lnTo>
+                  <a:pt x="1347" y="681"/>
+                </a:lnTo>
+                <a:lnTo>
+                  <a:pt x="1105" y="574"/>
+                </a:lnTo>
+                <a:lnTo>
+                  <a:pt x="883" y="473"/>
+                </a:lnTo>
+                <a:lnTo>
+                  <a:pt x="686" y="377"/>
+                </a:lnTo>
+                <a:lnTo>
+                  <a:pt x="508" y="286"/>
+                </a:lnTo>
+                <a:lnTo>
+                  <a:pt x="358" y="210"/>
+                </a:lnTo>
+                <a:lnTo>
+                  <a:pt x="232" y="138"/>
+                </a:lnTo>
+                <a:lnTo>
+                  <a:pt x="59" y="35"/>
+                </a:lnTo>
+                <a:lnTo>
+                  <a:pt x="0" y="0"/>
+                </a:lnTo>
+                <a:lnTo>
+                  <a:pt x="0" y="0"/>
+                </a:lnTo>
+                <a:close/>
+              </a:path>
+            </a:pathLst>
+          </a:custGeom>
+          <a:solidFill>
+            <a:srgbClr val="FFFFFF"/>
+          </a:solidFill>
+          <a:ln>
+            <a:noFill/>
+          </a:ln>
+        </p:spPr>
+      </p:sp>
+      <p:pic>
+        <p:nvPicPr>
+          <p:cNvPr id="2050" name="Picture 2" descr="Chart, histogram&#10;&#10;Description automatically generated">
             <a:extLst>
               <a:ext uri="{FF2B5EF4-FFF2-40B4-BE49-F238E27FC236}">
                 <a16:creationId xmlns:a16="http://schemas.microsoft.com/office/drawing/2014/main" id="{CA6FAEB2-6458-4527-B17B-FED9865A50B2}"/>
@@ -7370,27 +8378,27 @@
           </p:nvPr>
         </p:nvPicPr>
         <p:blipFill>
-          <a:blip r:embed="rId2">
+          <a:blip r:embed="rId8">
             <a:extLst>
               <a:ext uri="{28A0092B-C50C-407E-A947-70E740481C1C}">
                 <a14:useLocalDpi xmlns:a14="http://schemas.microsoft.com/office/drawing/2010/main" val="0"/>
               </a:ext>
             </a:extLst>
           </a:blip>
-          <a:srcRect/>
           <a:stretch>
             <a:fillRect/>
           </a:stretch>
         </p:blipFill>
         <p:spPr bwMode="auto">
           <a:xfrm>
-            <a:off x="1484584" y="2483970"/>
-            <a:ext cx="3590755" cy="2520783"/>
+            <a:off x="3876168" y="910541"/>
+            <a:ext cx="3038347" cy="2132981"/>
           </a:xfrm>
           <a:prstGeom prst="rect">
             <a:avLst/>
           </a:prstGeom>
           <a:noFill/>
+          <a:effectLst/>
           <a:extLst>
             <a:ext uri="{909E8E84-426E-40DD-AFC4-6F175D3DCCD1}">
               <a14:hiddenFill xmlns:a14="http://schemas.microsoft.com/office/drawing/2010/main">
@@ -7404,49 +8412,33 @@
       </p:pic>
       <p:pic>
         <p:nvPicPr>
-          <p:cNvPr id="2052" name="Picture 4">
+          <p:cNvPr id="4" name="Picture 3" descr="Graphical user interface, application, table&#10;&#10;Description automatically generated">
             <a:extLst>
               <a:ext uri="{FF2B5EF4-FFF2-40B4-BE49-F238E27FC236}">
-                <a16:creationId xmlns:a16="http://schemas.microsoft.com/office/drawing/2014/main" id="{1A93234F-2033-48A8-A4C9-B3B549AC9184}"/>
+                <a16:creationId xmlns:a16="http://schemas.microsoft.com/office/drawing/2014/main" id="{4BAA8F0A-6908-4F86-93B0-DE5CF282F040}"/>
               </a:ext>
             </a:extLst>
           </p:cNvPr>
           <p:cNvPicPr>
-            <a:picLocks noChangeAspect="1" noChangeArrowheads="1"/>
+            <a:picLocks noChangeAspect="1"/>
           </p:cNvPicPr>
           <p:nvPr/>
         </p:nvPicPr>
         <p:blipFill>
-          <a:blip r:embed="rId3">
-            <a:extLst>
-              <a:ext uri="{28A0092B-C50C-407E-A947-70E740481C1C}">
-                <a14:useLocalDpi xmlns:a14="http://schemas.microsoft.com/office/drawing/2010/main" val="0"/>
-              </a:ext>
-            </a:extLst>
-          </a:blip>
-          <a:srcRect/>
+          <a:blip r:embed="rId9"/>
           <a:stretch>
             <a:fillRect/>
           </a:stretch>
         </p:blipFill>
-        <p:spPr bwMode="auto">
+        <p:spPr>
           <a:xfrm>
-            <a:off x="5999178" y="2356803"/>
-            <a:ext cx="3733800" cy="2647950"/>
+            <a:off x="687713" y="3501360"/>
+            <a:ext cx="6182943" cy="2658666"/>
           </a:xfrm>
           <a:prstGeom prst="rect">
             <a:avLst/>
           </a:prstGeom>
-          <a:noFill/>
-          <a:extLst>
-            <a:ext uri="{909E8E84-426E-40DD-AFC4-6F175D3DCCD1}">
-              <a14:hiddenFill xmlns:a14="http://schemas.microsoft.com/office/drawing/2010/main">
-                <a:solidFill>
-                  <a:srgbClr val="FFFFFF"/>
-                </a:solidFill>
-              </a14:hiddenFill>
-            </a:ext>
-          </a:extLst>
+          <a:effectLst/>
         </p:spPr>
       </p:pic>
     </p:spTree>

--- a/Cleansing/Project1/Sports Betting.pptx
+++ b/Cleansing/Project1/Sports Betting.pptx
@@ -6096,7 +6096,7 @@
           <a:p>
             <a:r>
               <a:rPr lang="en-CA" dirty="0"/>
-              <a:t>Simulated the simple strategy of betting for every home team vs every away team game vs every tie at their average odds</a:t>
+              <a:t>Simulated the simple strategy of betting for every home team vs every away team game vs every tie (5552 betting lines total)</a:t>
             </a:r>
           </a:p>
           <a:p>
@@ -6403,7 +6403,12 @@
             <p:ph idx="1"/>
           </p:nvPr>
         </p:nvSpPr>
-        <p:spPr/>
+        <p:spPr>
+          <a:xfrm>
+            <a:off x="1103312" y="2052918"/>
+            <a:ext cx="7136921" cy="4195481"/>
+          </a:xfrm>
+        </p:spPr>
         <p:txBody>
           <a:bodyPr/>
           <a:lstStyle/>
@@ -6455,8 +6460,38 @@
         </p:blipFill>
         <p:spPr>
           <a:xfrm>
-            <a:off x="1514262" y="2819497"/>
+            <a:off x="1237815" y="2986025"/>
             <a:ext cx="8535591" cy="885949"/>
+          </a:xfrm>
+          <a:prstGeom prst="rect">
+            <a:avLst/>
+          </a:prstGeom>
+        </p:spPr>
+      </p:pic>
+      <p:pic>
+        <p:nvPicPr>
+          <p:cNvPr id="6" name="Picture 5" descr="Graphical user interface, chart&#10;&#10;Description automatically generated">
+            <a:extLst>
+              <a:ext uri="{FF2B5EF4-FFF2-40B4-BE49-F238E27FC236}">
+                <a16:creationId xmlns:a16="http://schemas.microsoft.com/office/drawing/2014/main" id="{C5229CF3-5AAC-4B9A-93AD-929DBE86797F}"/>
+              </a:ext>
+            </a:extLst>
+          </p:cNvPr>
+          <p:cNvPicPr>
+            <a:picLocks noChangeAspect="1"/>
+          </p:cNvPicPr>
+          <p:nvPr/>
+        </p:nvPicPr>
+        <p:blipFill>
+          <a:blip r:embed="rId3"/>
+          <a:stretch>
+            <a:fillRect/>
+          </a:stretch>
+        </p:blipFill>
+        <p:spPr>
+          <a:xfrm>
+            <a:off x="8131248" y="1853248"/>
+            <a:ext cx="3660259" cy="2638793"/>
           </a:xfrm>
           <a:prstGeom prst="rect">
             <a:avLst/>

--- a/Cleansing/Project1/Sports Betting.pptx
+++ b/Cleansing/Project1/Sports Betting.pptx
@@ -6090,7 +6090,15 @@
           <a:p>
             <a:r>
               <a:rPr lang="en-CA" dirty="0"/>
-              <a:t>We know that home teams have an advantage, and we also know the effect of bookie confidence. </a:t>
+              <a:t>We know that home teams have an advantage, and we also know that bookie </a:t>
+            </a:r>
+            <a:r>
+              <a:rPr lang="en-CA"/>
+              <a:t>confidence does fluctuate </a:t>
+            </a:r>
+            <a:r>
+              <a:rPr lang="en-CA" dirty="0"/>
+              <a:t>from game to game. </a:t>
             </a:r>
           </a:p>
           <a:p>
@@ -6460,8 +6468,8 @@
         </p:blipFill>
         <p:spPr>
           <a:xfrm>
-            <a:off x="1237815" y="2986025"/>
-            <a:ext cx="8535591" cy="885949"/>
+            <a:off x="1237816" y="2986025"/>
+            <a:ext cx="6505402" cy="885949"/>
           </a:xfrm>
           <a:prstGeom prst="rect">
             <a:avLst/>
